--- a/labs/lab3/figures/figures.pptx
+++ b/labs/lab3/figures/figures.pptx
@@ -6,6 +6,7 @@
   </p:sldMasterIdLst>
   <p:sldIdLst>
     <p:sldId id="256" r:id="rId2"/>
+    <p:sldId id="257" r:id="rId3"/>
   </p:sldIdLst>
   <p:sldSz cx="12192000" cy="6858000"/>
   <p:notesSz cx="6858000" cy="9144000"/>
@@ -270,7 +271,7 @@
           <a:p>
             <a:fld id="{1F5CB8FA-A5A7-45C3-86CC-341598224043}" type="datetimeFigureOut">
               <a:rPr lang="en-US" smtClean="0"/>
-              <a:t>2018-04-17</a:t>
+              <a:t>4/5/2019</a:t>
             </a:fld>
             <a:endParaRPr lang="en-US"/>
           </a:p>
@@ -468,7 +469,7 @@
           <a:p>
             <a:fld id="{1F5CB8FA-A5A7-45C3-86CC-341598224043}" type="datetimeFigureOut">
               <a:rPr lang="en-US" smtClean="0"/>
-              <a:t>2018-04-17</a:t>
+              <a:t>4/5/2019</a:t>
             </a:fld>
             <a:endParaRPr lang="en-US"/>
           </a:p>
@@ -676,7 +677,7 @@
           <a:p>
             <a:fld id="{1F5CB8FA-A5A7-45C3-86CC-341598224043}" type="datetimeFigureOut">
               <a:rPr lang="en-US" smtClean="0"/>
-              <a:t>2018-04-17</a:t>
+              <a:t>4/5/2019</a:t>
             </a:fld>
             <a:endParaRPr lang="en-US"/>
           </a:p>
@@ -874,7 +875,7 @@
           <a:p>
             <a:fld id="{1F5CB8FA-A5A7-45C3-86CC-341598224043}" type="datetimeFigureOut">
               <a:rPr lang="en-US" smtClean="0"/>
-              <a:t>2018-04-17</a:t>
+              <a:t>4/5/2019</a:t>
             </a:fld>
             <a:endParaRPr lang="en-US"/>
           </a:p>
@@ -1149,7 +1150,7 @@
           <a:p>
             <a:fld id="{1F5CB8FA-A5A7-45C3-86CC-341598224043}" type="datetimeFigureOut">
               <a:rPr lang="en-US" smtClean="0"/>
-              <a:t>2018-04-17</a:t>
+              <a:t>4/5/2019</a:t>
             </a:fld>
             <a:endParaRPr lang="en-US"/>
           </a:p>
@@ -1414,7 +1415,7 @@
           <a:p>
             <a:fld id="{1F5CB8FA-A5A7-45C3-86CC-341598224043}" type="datetimeFigureOut">
               <a:rPr lang="en-US" smtClean="0"/>
-              <a:t>2018-04-17</a:t>
+              <a:t>4/5/2019</a:t>
             </a:fld>
             <a:endParaRPr lang="en-US"/>
           </a:p>
@@ -1826,7 +1827,7 @@
           <a:p>
             <a:fld id="{1F5CB8FA-A5A7-45C3-86CC-341598224043}" type="datetimeFigureOut">
               <a:rPr lang="en-US" smtClean="0"/>
-              <a:t>2018-04-17</a:t>
+              <a:t>4/5/2019</a:t>
             </a:fld>
             <a:endParaRPr lang="en-US"/>
           </a:p>
@@ -1967,7 +1968,7 @@
           <a:p>
             <a:fld id="{1F5CB8FA-A5A7-45C3-86CC-341598224043}" type="datetimeFigureOut">
               <a:rPr lang="en-US" smtClean="0"/>
-              <a:t>2018-04-17</a:t>
+              <a:t>4/5/2019</a:t>
             </a:fld>
             <a:endParaRPr lang="en-US"/>
           </a:p>
@@ -2080,7 +2081,7 @@
           <a:p>
             <a:fld id="{1F5CB8FA-A5A7-45C3-86CC-341598224043}" type="datetimeFigureOut">
               <a:rPr lang="en-US" smtClean="0"/>
-              <a:t>2018-04-17</a:t>
+              <a:t>4/5/2019</a:t>
             </a:fld>
             <a:endParaRPr lang="en-US"/>
           </a:p>
@@ -2391,7 +2392,7 @@
           <a:p>
             <a:fld id="{1F5CB8FA-A5A7-45C3-86CC-341598224043}" type="datetimeFigureOut">
               <a:rPr lang="en-US" smtClean="0"/>
-              <a:t>2018-04-17</a:t>
+              <a:t>4/5/2019</a:t>
             </a:fld>
             <a:endParaRPr lang="en-US"/>
           </a:p>
@@ -2679,7 +2680,7 @@
           <a:p>
             <a:fld id="{1F5CB8FA-A5A7-45C3-86CC-341598224043}" type="datetimeFigureOut">
               <a:rPr lang="en-US" smtClean="0"/>
-              <a:t>2018-04-17</a:t>
+              <a:t>4/5/2019</a:t>
             </a:fld>
             <a:endParaRPr lang="en-US"/>
           </a:p>
@@ -2920,7 +2921,7 @@
           <a:p>
             <a:fld id="{1F5CB8FA-A5A7-45C3-86CC-341598224043}" type="datetimeFigureOut">
               <a:rPr lang="en-US" smtClean="0"/>
-              <a:t>2018-04-17</a:t>
+              <a:t>4/5/2019</a:t>
             </a:fld>
             <a:endParaRPr lang="en-US"/>
           </a:p>
@@ -3337,6 +3338,42 @@
           <a:chExt cx="0" cy="0"/>
         </a:xfrm>
       </p:grpSpPr>
+      <p:pic>
+        <p:nvPicPr>
+          <p:cNvPr id="3" name="Picture 2" descr="A picture containing object&#10;&#10;Description generated with very high confidence">
+            <a:extLst>
+              <a:ext uri="{FF2B5EF4-FFF2-40B4-BE49-F238E27FC236}">
+                <a16:creationId xmlns:a16="http://schemas.microsoft.com/office/drawing/2014/main" id="{E9C164DC-908A-422B-A93B-031260FA622D}"/>
+              </a:ext>
+            </a:extLst>
+          </p:cNvPr>
+          <p:cNvPicPr>
+            <a:picLocks noChangeAspect="1"/>
+          </p:cNvPicPr>
+          <p:nvPr/>
+        </p:nvPicPr>
+        <p:blipFill>
+          <a:blip r:embed="rId2">
+            <a:extLst>
+              <a:ext uri="{28A0092B-C50C-407E-A947-70E740481C1C}">
+                <a14:useLocalDpi xmlns:a14="http://schemas.microsoft.com/office/drawing/2010/main" val="0"/>
+              </a:ext>
+            </a:extLst>
+          </a:blip>
+          <a:stretch>
+            <a:fillRect/>
+          </a:stretch>
+        </p:blipFill>
+        <p:spPr>
+          <a:xfrm>
+            <a:off x="2732374" y="890983"/>
+            <a:ext cx="1005927" cy="1005927"/>
+          </a:xfrm>
+          <a:prstGeom prst="rect">
+            <a:avLst/>
+          </a:prstGeom>
+        </p:spPr>
+      </p:pic>
       <p:sp>
         <p:nvSpPr>
           <p:cNvPr id="4" name="Rectangle 3">
@@ -4456,10 +4493,1088 @@
           </a:p>
         </p:txBody>
       </p:sp>
+      <p:pic>
+        <p:nvPicPr>
+          <p:cNvPr id="11" name="Picture 10">
+            <a:extLst>
+              <a:ext uri="{FF2B5EF4-FFF2-40B4-BE49-F238E27FC236}">
+                <a16:creationId xmlns:a16="http://schemas.microsoft.com/office/drawing/2014/main" id="{4E841EC3-D3DC-47F8-94EB-EF57A59DB9DE}"/>
+              </a:ext>
+            </a:extLst>
+          </p:cNvPr>
+          <p:cNvPicPr>
+            <a:picLocks noChangeAspect="1"/>
+          </p:cNvPicPr>
+          <p:nvPr/>
+        </p:nvPicPr>
+        <p:blipFill>
+          <a:blip r:embed="rId3">
+            <a:extLst>
+              <a:ext uri="{28A0092B-C50C-407E-A947-70E740481C1C}">
+                <a14:useLocalDpi xmlns:a14="http://schemas.microsoft.com/office/drawing/2010/main" val="0"/>
+              </a:ext>
+            </a:extLst>
+          </a:blip>
+          <a:stretch>
+            <a:fillRect/>
+          </a:stretch>
+        </p:blipFill>
+        <p:spPr>
+          <a:xfrm>
+            <a:off x="6412735" y="912871"/>
+            <a:ext cx="1019840" cy="1019840"/>
+          </a:xfrm>
+          <a:prstGeom prst="rect">
+            <a:avLst/>
+          </a:prstGeom>
+        </p:spPr>
+      </p:pic>
+      <p:pic>
+        <p:nvPicPr>
+          <p:cNvPr id="17" name="Picture 16" descr="A close up of a logo&#10;&#10;Description generated with very high confidence">
+            <a:extLst>
+              <a:ext uri="{FF2B5EF4-FFF2-40B4-BE49-F238E27FC236}">
+                <a16:creationId xmlns:a16="http://schemas.microsoft.com/office/drawing/2014/main" id="{7F0B629F-F25B-43FB-9C98-100126CBFA33}"/>
+              </a:ext>
+            </a:extLst>
+          </p:cNvPr>
+          <p:cNvPicPr>
+            <a:picLocks noChangeAspect="1"/>
+          </p:cNvPicPr>
+          <p:nvPr/>
+        </p:nvPicPr>
+        <p:blipFill rotWithShape="1">
+          <a:blip r:embed="rId4">
+            <a:extLst>
+              <a:ext uri="{28A0092B-C50C-407E-A947-70E740481C1C}">
+                <a14:useLocalDpi xmlns:a14="http://schemas.microsoft.com/office/drawing/2010/main" val="0"/>
+              </a:ext>
+            </a:extLst>
+          </a:blip>
+          <a:srcRect t="30329" b="31208"/>
+          <a:stretch/>
+        </p:blipFill>
+        <p:spPr>
+          <a:xfrm>
+            <a:off x="9277145" y="1946558"/>
+            <a:ext cx="1308506" cy="503284"/>
+          </a:xfrm>
+          <a:prstGeom prst="rect">
+            <a:avLst/>
+          </a:prstGeom>
+        </p:spPr>
+      </p:pic>
+      <p:sp>
+        <p:nvSpPr>
+          <p:cNvPr id="18" name="Rectangle 17">
+            <a:extLst>
+              <a:ext uri="{FF2B5EF4-FFF2-40B4-BE49-F238E27FC236}">
+                <a16:creationId xmlns:a16="http://schemas.microsoft.com/office/drawing/2014/main" id="{EB5757FD-3CCB-45F0-97C0-2B3272A0369A}"/>
+              </a:ext>
+            </a:extLst>
+          </p:cNvPr>
+          <p:cNvSpPr/>
+          <p:nvPr/>
+        </p:nvSpPr>
+        <p:spPr>
+          <a:xfrm>
+            <a:off x="7354902" y="4421656"/>
+            <a:ext cx="4108817" cy="307777"/>
+          </a:xfrm>
+          <a:prstGeom prst="rect">
+            <a:avLst/>
+          </a:prstGeom>
+        </p:spPr>
+        <p:txBody>
+          <a:bodyPr wrap="none">
+            <a:spAutoFit/>
+          </a:bodyPr>
+          <a:lstStyle/>
+          <a:p>
+            <a:r>
+              <a:rPr lang="sv-SE" sz="1400" dirty="0">
+                <a:latin typeface="Arial" panose="020B0604020202020204" pitchFamily="34" charset="0"/>
+                <a:cs typeface="Arial" panose="020B0604020202020204" pitchFamily="34" charset="0"/>
+              </a:rPr>
+              <a:t>”</a:t>
+            </a:r>
+            <a:r>
+              <a:rPr lang="en-US" sz="1400" dirty="0">
+                <a:latin typeface="Arial" panose="020B0604020202020204" pitchFamily="34" charset="0"/>
+                <a:cs typeface="Arial" panose="020B0604020202020204" pitchFamily="34" charset="0"/>
+              </a:rPr>
+              <a:t>se.lth.cs.etsa02.BasicMeleeBot.BasicMeleeBot*”</a:t>
+            </a:r>
+          </a:p>
+        </p:txBody>
+      </p:sp>
     </p:spTree>
     <p:extLst>
       <p:ext uri="{BB962C8B-B14F-4D97-AF65-F5344CB8AC3E}">
         <p14:creationId xmlns:p14="http://schemas.microsoft.com/office/powerpoint/2010/main" val="591444091"/>
+      </p:ext>
+    </p:extLst>
+  </p:cSld>
+  <p:clrMapOvr>
+    <a:masterClrMapping/>
+  </p:clrMapOvr>
+</p:sld>
+</file>
+
+<file path=ppt/slides/slide2.xml><?xml version="1.0" encoding="utf-8"?>
+<p:sld xmlns:a="http://schemas.openxmlformats.org/drawingml/2006/main" xmlns:r="http://schemas.openxmlformats.org/officeDocument/2006/relationships" xmlns:p="http://schemas.openxmlformats.org/presentationml/2006/main">
+  <p:cSld>
+    <p:spTree>
+      <p:nvGrpSpPr>
+        <p:cNvPr id="1" name=""/>
+        <p:cNvGrpSpPr/>
+        <p:nvPr/>
+      </p:nvGrpSpPr>
+      <p:grpSpPr>
+        <a:xfrm>
+          <a:off x="0" y="0"/>
+          <a:ext cx="0" cy="0"/>
+          <a:chOff x="0" y="0"/>
+          <a:chExt cx="0" cy="0"/>
+        </a:xfrm>
+      </p:grpSpPr>
+      <p:pic>
+        <p:nvPicPr>
+          <p:cNvPr id="4" name="Picture 3">
+            <a:extLst>
+              <a:ext uri="{FF2B5EF4-FFF2-40B4-BE49-F238E27FC236}">
+                <a16:creationId xmlns:a16="http://schemas.microsoft.com/office/drawing/2014/main" id="{A4720FBA-E107-49D1-8710-B58D69A667E1}"/>
+              </a:ext>
+            </a:extLst>
+          </p:cNvPr>
+          <p:cNvPicPr>
+            <a:picLocks noChangeAspect="1"/>
+          </p:cNvPicPr>
+          <p:nvPr/>
+        </p:nvPicPr>
+        <p:blipFill>
+          <a:blip r:embed="rId2"/>
+          <a:stretch>
+            <a:fillRect/>
+          </a:stretch>
+        </p:blipFill>
+        <p:spPr>
+          <a:xfrm>
+            <a:off x="3954982" y="0"/>
+            <a:ext cx="4282035" cy="6858000"/>
+          </a:xfrm>
+          <a:prstGeom prst="rect">
+            <a:avLst/>
+          </a:prstGeom>
+        </p:spPr>
+      </p:pic>
+      <p:sp>
+        <p:nvSpPr>
+          <p:cNvPr id="9" name="Right Brace 8">
+            <a:extLst>
+              <a:ext uri="{FF2B5EF4-FFF2-40B4-BE49-F238E27FC236}">
+                <a16:creationId xmlns:a16="http://schemas.microsoft.com/office/drawing/2014/main" id="{98721C26-CF05-44B9-8ECB-8170936D9801}"/>
+              </a:ext>
+            </a:extLst>
+          </p:cNvPr>
+          <p:cNvSpPr/>
+          <p:nvPr/>
+        </p:nvSpPr>
+        <p:spPr>
+          <a:xfrm>
+            <a:off x="5771720" y="1007329"/>
+            <a:ext cx="116878" cy="847597"/>
+          </a:xfrm>
+          <a:prstGeom prst="rightBrace">
+            <a:avLst/>
+          </a:prstGeom>
+          <a:ln w="19050">
+            <a:solidFill>
+              <a:srgbClr val="FF0000"/>
+            </a:solidFill>
+          </a:ln>
+        </p:spPr>
+        <p:style>
+          <a:lnRef idx="1">
+            <a:schemeClr val="accent1"/>
+          </a:lnRef>
+          <a:fillRef idx="0">
+            <a:schemeClr val="accent1"/>
+          </a:fillRef>
+          <a:effectRef idx="0">
+            <a:schemeClr val="accent1"/>
+          </a:effectRef>
+          <a:fontRef idx="minor">
+            <a:schemeClr val="tx1"/>
+          </a:fontRef>
+        </p:style>
+        <p:txBody>
+          <a:bodyPr rtlCol="0" anchor="ctr"/>
+          <a:lstStyle/>
+          <a:p>
+            <a:pPr algn="ctr"/>
+            <a:endParaRPr lang="en-US">
+              <a:latin typeface="Arial" panose="020B0604020202020204" pitchFamily="34" charset="0"/>
+              <a:cs typeface="Arial" panose="020B0604020202020204" pitchFamily="34" charset="0"/>
+            </a:endParaRPr>
+          </a:p>
+        </p:txBody>
+      </p:sp>
+      <p:sp>
+        <p:nvSpPr>
+          <p:cNvPr id="10" name="Rectangle 9">
+            <a:extLst>
+              <a:ext uri="{FF2B5EF4-FFF2-40B4-BE49-F238E27FC236}">
+                <a16:creationId xmlns:a16="http://schemas.microsoft.com/office/drawing/2014/main" id="{4117931A-39FB-4ECA-B402-01DCE0A0CB9F}"/>
+              </a:ext>
+            </a:extLst>
+          </p:cNvPr>
+          <p:cNvSpPr/>
+          <p:nvPr/>
+        </p:nvSpPr>
+        <p:spPr>
+          <a:xfrm>
+            <a:off x="4643846" y="2844834"/>
+            <a:ext cx="1384958" cy="1206208"/>
+          </a:xfrm>
+          <a:prstGeom prst="rect">
+            <a:avLst/>
+          </a:prstGeom>
+          <a:solidFill>
+            <a:schemeClr val="bg1">
+              <a:lumMod val="75000"/>
+              <a:alpha val="80000"/>
+            </a:schemeClr>
+          </a:solidFill>
+          <a:ln>
+            <a:noFill/>
+          </a:ln>
+        </p:spPr>
+        <p:style>
+          <a:lnRef idx="2">
+            <a:schemeClr val="accent1">
+              <a:shade val="50000"/>
+            </a:schemeClr>
+          </a:lnRef>
+          <a:fillRef idx="1">
+            <a:schemeClr val="accent1"/>
+          </a:fillRef>
+          <a:effectRef idx="0">
+            <a:schemeClr val="accent1"/>
+          </a:effectRef>
+          <a:fontRef idx="minor">
+            <a:schemeClr val="lt1"/>
+          </a:fontRef>
+        </p:style>
+        <p:txBody>
+          <a:bodyPr rtlCol="0" anchor="ctr"/>
+          <a:lstStyle/>
+          <a:p>
+            <a:pPr algn="ctr"/>
+            <a:endParaRPr lang="en-US">
+              <a:latin typeface="Arial" panose="020B0604020202020204" pitchFamily="34" charset="0"/>
+              <a:cs typeface="Arial" panose="020B0604020202020204" pitchFamily="34" charset="0"/>
+            </a:endParaRPr>
+          </a:p>
+        </p:txBody>
+      </p:sp>
+      <p:cxnSp>
+        <p:nvCxnSpPr>
+          <p:cNvPr id="14" name="Straight Arrow Connector 13">
+            <a:extLst>
+              <a:ext uri="{FF2B5EF4-FFF2-40B4-BE49-F238E27FC236}">
+                <a16:creationId xmlns:a16="http://schemas.microsoft.com/office/drawing/2014/main" id="{8BB215D4-EFBF-4C22-806F-FB69CE35BE90}"/>
+              </a:ext>
+            </a:extLst>
+          </p:cNvPr>
+          <p:cNvCxnSpPr>
+            <a:cxnSpLocks/>
+          </p:cNvCxnSpPr>
+          <p:nvPr/>
+        </p:nvCxnSpPr>
+        <p:spPr>
+          <a:xfrm flipH="1">
+            <a:off x="5845629" y="2735808"/>
+            <a:ext cx="500744" cy="10655"/>
+          </a:xfrm>
+          <a:prstGeom prst="straightConnector1">
+            <a:avLst/>
+          </a:prstGeom>
+          <a:ln w="19050">
+            <a:solidFill>
+              <a:srgbClr val="FF0000"/>
+            </a:solidFill>
+            <a:tailEnd type="triangle"/>
+          </a:ln>
+        </p:spPr>
+        <p:style>
+          <a:lnRef idx="1">
+            <a:schemeClr val="accent1"/>
+          </a:lnRef>
+          <a:fillRef idx="0">
+            <a:schemeClr val="accent1"/>
+          </a:fillRef>
+          <a:effectRef idx="0">
+            <a:schemeClr val="accent1"/>
+          </a:effectRef>
+          <a:fontRef idx="minor">
+            <a:schemeClr val="tx1"/>
+          </a:fontRef>
+        </p:style>
+      </p:cxnSp>
+      <p:sp>
+        <p:nvSpPr>
+          <p:cNvPr id="18" name="TextBox 17">
+            <a:extLst>
+              <a:ext uri="{FF2B5EF4-FFF2-40B4-BE49-F238E27FC236}">
+                <a16:creationId xmlns:a16="http://schemas.microsoft.com/office/drawing/2014/main" id="{D602C425-31B8-4E67-94ED-8E7EB1434E46}"/>
+              </a:ext>
+            </a:extLst>
+          </p:cNvPr>
+          <p:cNvSpPr txBox="1"/>
+          <p:nvPr/>
+        </p:nvSpPr>
+        <p:spPr>
+          <a:xfrm>
+            <a:off x="6574397" y="505368"/>
+            <a:ext cx="959447" cy="523220"/>
+          </a:xfrm>
+          <a:prstGeom prst="rect">
+            <a:avLst/>
+          </a:prstGeom>
+          <a:noFill/>
+        </p:spPr>
+        <p:txBody>
+          <a:bodyPr wrap="square" rtlCol="0">
+            <a:spAutoFit/>
+          </a:bodyPr>
+          <a:lstStyle/>
+          <a:p>
+            <a:pPr algn="ctr"/>
+            <a:r>
+              <a:rPr lang="en-US" sz="1400" dirty="0">
+                <a:latin typeface="Arial" panose="020B0604020202020204" pitchFamily="34" charset="0"/>
+                <a:cs typeface="Arial" panose="020B0604020202020204" pitchFamily="34" charset="0"/>
+              </a:rPr>
+              <a:t>No longer used</a:t>
+            </a:r>
+          </a:p>
+        </p:txBody>
+      </p:sp>
+      <p:sp>
+        <p:nvSpPr>
+          <p:cNvPr id="19" name="TextBox 18">
+            <a:extLst>
+              <a:ext uri="{FF2B5EF4-FFF2-40B4-BE49-F238E27FC236}">
+                <a16:creationId xmlns:a16="http://schemas.microsoft.com/office/drawing/2014/main" id="{05FB95D3-83DC-4BC0-AE30-44E3F114B912}"/>
+              </a:ext>
+            </a:extLst>
+          </p:cNvPr>
+          <p:cNvSpPr txBox="1"/>
+          <p:nvPr/>
+        </p:nvSpPr>
+        <p:spPr>
+          <a:xfrm>
+            <a:off x="5951048" y="1082059"/>
+            <a:ext cx="1371598" cy="738664"/>
+          </a:xfrm>
+          <a:prstGeom prst="rect">
+            <a:avLst/>
+          </a:prstGeom>
+          <a:noFill/>
+        </p:spPr>
+        <p:txBody>
+          <a:bodyPr wrap="square" rtlCol="0">
+            <a:spAutoFit/>
+          </a:bodyPr>
+          <a:lstStyle/>
+          <a:p>
+            <a:pPr algn="ctr"/>
+            <a:r>
+              <a:rPr lang="en-US" sz="1400" dirty="0">
+                <a:latin typeface="Arial" panose="020B0604020202020204" pitchFamily="34" charset="0"/>
+                <a:cs typeface="Arial" panose="020B0604020202020204" pitchFamily="34" charset="0"/>
+              </a:rPr>
+              <a:t>Implemented in Lab 2, to be tested now</a:t>
+            </a:r>
+          </a:p>
+        </p:txBody>
+      </p:sp>
+      <p:sp>
+        <p:nvSpPr>
+          <p:cNvPr id="20" name="TextBox 19">
+            <a:extLst>
+              <a:ext uri="{FF2B5EF4-FFF2-40B4-BE49-F238E27FC236}">
+                <a16:creationId xmlns:a16="http://schemas.microsoft.com/office/drawing/2014/main" id="{4885E5E8-616C-475E-A969-556D144A4478}"/>
+              </a:ext>
+            </a:extLst>
+          </p:cNvPr>
+          <p:cNvSpPr txBox="1"/>
+          <p:nvPr/>
+        </p:nvSpPr>
+        <p:spPr>
+          <a:xfrm>
+            <a:off x="6323403" y="2581919"/>
+            <a:ext cx="1557574" cy="523220"/>
+          </a:xfrm>
+          <a:prstGeom prst="rect">
+            <a:avLst/>
+          </a:prstGeom>
+          <a:noFill/>
+        </p:spPr>
+        <p:txBody>
+          <a:bodyPr wrap="square" rtlCol="0">
+            <a:spAutoFit/>
+          </a:bodyPr>
+          <a:lstStyle/>
+          <a:p>
+            <a:pPr algn="ctr"/>
+            <a:r>
+              <a:rPr lang="en-US" sz="1400" dirty="0">
+                <a:latin typeface="Arial" panose="020B0604020202020204" pitchFamily="34" charset="0"/>
+                <a:cs typeface="Arial" panose="020B0604020202020204" pitchFamily="34" charset="0"/>
+              </a:rPr>
+              <a:t>Defines system test suite</a:t>
+            </a:r>
+          </a:p>
+        </p:txBody>
+      </p:sp>
+      <p:sp>
+        <p:nvSpPr>
+          <p:cNvPr id="22" name="TextBox 21">
+            <a:extLst>
+              <a:ext uri="{FF2B5EF4-FFF2-40B4-BE49-F238E27FC236}">
+                <a16:creationId xmlns:a16="http://schemas.microsoft.com/office/drawing/2014/main" id="{89145BA9-566C-4CA2-B61C-AE71C52976D0}"/>
+              </a:ext>
+            </a:extLst>
+          </p:cNvPr>
+          <p:cNvSpPr txBox="1"/>
+          <p:nvPr/>
+        </p:nvSpPr>
+        <p:spPr>
+          <a:xfrm>
+            <a:off x="5588211" y="1969429"/>
+            <a:ext cx="1557574" cy="523220"/>
+          </a:xfrm>
+          <a:prstGeom prst="rect">
+            <a:avLst/>
+          </a:prstGeom>
+          <a:noFill/>
+        </p:spPr>
+        <p:txBody>
+          <a:bodyPr wrap="square" rtlCol="0">
+            <a:spAutoFit/>
+          </a:bodyPr>
+          <a:lstStyle/>
+          <a:p>
+            <a:pPr algn="ctr"/>
+            <a:r>
+              <a:rPr lang="en-US" sz="1400" dirty="0">
+                <a:solidFill>
+                  <a:schemeClr val="bg1">
+                    <a:lumMod val="65000"/>
+                  </a:schemeClr>
+                </a:solidFill>
+                <a:latin typeface="Arial" panose="020B0604020202020204" pitchFamily="34" charset="0"/>
+                <a:cs typeface="Arial" panose="020B0604020202020204" pitchFamily="34" charset="0"/>
+              </a:rPr>
+              <a:t>To be used</a:t>
+            </a:r>
+          </a:p>
+          <a:p>
+            <a:pPr algn="ctr"/>
+            <a:r>
+              <a:rPr lang="en-US" sz="1400" dirty="0">
+                <a:solidFill>
+                  <a:schemeClr val="bg1">
+                    <a:lumMod val="65000"/>
+                  </a:schemeClr>
+                </a:solidFill>
+                <a:latin typeface="Arial" panose="020B0604020202020204" pitchFamily="34" charset="0"/>
+                <a:cs typeface="Arial" panose="020B0604020202020204" pitchFamily="34" charset="0"/>
+              </a:rPr>
+              <a:t>in the projects</a:t>
+            </a:r>
+          </a:p>
+        </p:txBody>
+      </p:sp>
+      <p:sp>
+        <p:nvSpPr>
+          <p:cNvPr id="23" name="TextBox 22">
+            <a:extLst>
+              <a:ext uri="{FF2B5EF4-FFF2-40B4-BE49-F238E27FC236}">
+                <a16:creationId xmlns:a16="http://schemas.microsoft.com/office/drawing/2014/main" id="{1C2FFF8C-160B-4B6D-9D2E-2A8DB682A914}"/>
+              </a:ext>
+            </a:extLst>
+          </p:cNvPr>
+          <p:cNvSpPr txBox="1"/>
+          <p:nvPr/>
+        </p:nvSpPr>
+        <p:spPr>
+          <a:xfrm>
+            <a:off x="6543859" y="3131139"/>
+            <a:ext cx="1693158" cy="523220"/>
+          </a:xfrm>
+          <a:prstGeom prst="rect">
+            <a:avLst/>
+          </a:prstGeom>
+          <a:noFill/>
+        </p:spPr>
+        <p:txBody>
+          <a:bodyPr wrap="square" rtlCol="0">
+            <a:spAutoFit/>
+          </a:bodyPr>
+          <a:lstStyle/>
+          <a:p>
+            <a:pPr algn="ctr"/>
+            <a:r>
+              <a:rPr lang="en-US" sz="1400" dirty="0">
+                <a:solidFill>
+                  <a:schemeClr val="bg1">
+                    <a:lumMod val="65000"/>
+                  </a:schemeClr>
+                </a:solidFill>
+                <a:latin typeface="Arial" panose="020B0604020202020204" pitchFamily="34" charset="0"/>
+                <a:cs typeface="Arial" panose="020B0604020202020204" pitchFamily="34" charset="0"/>
+              </a:rPr>
+              <a:t>Used in Lab 2, but should still pass</a:t>
+            </a:r>
+          </a:p>
+        </p:txBody>
+      </p:sp>
+      <p:cxnSp>
+        <p:nvCxnSpPr>
+          <p:cNvPr id="26" name="Straight Connector 25">
+            <a:extLst>
+              <a:ext uri="{FF2B5EF4-FFF2-40B4-BE49-F238E27FC236}">
+                <a16:creationId xmlns:a16="http://schemas.microsoft.com/office/drawing/2014/main" id="{012FFC39-F23A-4D78-822F-6ACF0537E04D}"/>
+              </a:ext>
+            </a:extLst>
+          </p:cNvPr>
+          <p:cNvCxnSpPr>
+            <a:cxnSpLocks/>
+          </p:cNvCxnSpPr>
+          <p:nvPr/>
+        </p:nvCxnSpPr>
+        <p:spPr>
+          <a:xfrm flipV="1">
+            <a:off x="5628847" y="2175062"/>
+            <a:ext cx="241948" cy="24104"/>
+          </a:xfrm>
+          <a:prstGeom prst="line">
+            <a:avLst/>
+          </a:prstGeom>
+          <a:ln w="19050">
+            <a:solidFill>
+              <a:schemeClr val="bg1">
+                <a:lumMod val="75000"/>
+              </a:schemeClr>
+            </a:solidFill>
+          </a:ln>
+        </p:spPr>
+        <p:style>
+          <a:lnRef idx="1">
+            <a:schemeClr val="accent1"/>
+          </a:lnRef>
+          <a:fillRef idx="0">
+            <a:schemeClr val="accent1"/>
+          </a:fillRef>
+          <a:effectRef idx="0">
+            <a:schemeClr val="accent1"/>
+          </a:effectRef>
+          <a:fontRef idx="minor">
+            <a:schemeClr val="tx1"/>
+          </a:fontRef>
+        </p:style>
+      </p:cxnSp>
+      <p:cxnSp>
+        <p:nvCxnSpPr>
+          <p:cNvPr id="29" name="Straight Connector 28">
+            <a:extLst>
+              <a:ext uri="{FF2B5EF4-FFF2-40B4-BE49-F238E27FC236}">
+                <a16:creationId xmlns:a16="http://schemas.microsoft.com/office/drawing/2014/main" id="{8FE15044-4E77-4D28-AD91-BEDFB9291E5F}"/>
+              </a:ext>
+            </a:extLst>
+          </p:cNvPr>
+          <p:cNvCxnSpPr>
+            <a:cxnSpLocks/>
+          </p:cNvCxnSpPr>
+          <p:nvPr/>
+        </p:nvCxnSpPr>
+        <p:spPr>
+          <a:xfrm flipV="1">
+            <a:off x="6115431" y="3429000"/>
+            <a:ext cx="521416" cy="48639"/>
+          </a:xfrm>
+          <a:prstGeom prst="line">
+            <a:avLst/>
+          </a:prstGeom>
+          <a:ln w="19050">
+            <a:solidFill>
+              <a:schemeClr val="bg1">
+                <a:lumMod val="75000"/>
+              </a:schemeClr>
+            </a:solidFill>
+          </a:ln>
+        </p:spPr>
+        <p:style>
+          <a:lnRef idx="1">
+            <a:schemeClr val="accent1"/>
+          </a:lnRef>
+          <a:fillRef idx="0">
+            <a:schemeClr val="accent1"/>
+          </a:fillRef>
+          <a:effectRef idx="0">
+            <a:schemeClr val="accent1"/>
+          </a:effectRef>
+          <a:fontRef idx="minor">
+            <a:schemeClr val="tx1"/>
+          </a:fontRef>
+        </p:style>
+      </p:cxnSp>
+      <p:sp>
+        <p:nvSpPr>
+          <p:cNvPr id="24" name="Rectangle 23">
+            <a:extLst>
+              <a:ext uri="{FF2B5EF4-FFF2-40B4-BE49-F238E27FC236}">
+                <a16:creationId xmlns:a16="http://schemas.microsoft.com/office/drawing/2014/main" id="{72973747-ACD0-486D-A9B2-CC9C4A68C56B}"/>
+              </a:ext>
+            </a:extLst>
+          </p:cNvPr>
+          <p:cNvSpPr/>
+          <p:nvPr/>
+        </p:nvSpPr>
+        <p:spPr>
+          <a:xfrm>
+            <a:off x="4640243" y="819751"/>
+            <a:ext cx="1435131" cy="146701"/>
+          </a:xfrm>
+          <a:prstGeom prst="rect">
+            <a:avLst/>
+          </a:prstGeom>
+          <a:solidFill>
+            <a:schemeClr val="bg1">
+              <a:lumMod val="75000"/>
+              <a:alpha val="80000"/>
+            </a:schemeClr>
+          </a:solidFill>
+          <a:ln>
+            <a:noFill/>
+          </a:ln>
+        </p:spPr>
+        <p:style>
+          <a:lnRef idx="2">
+            <a:schemeClr val="accent1">
+              <a:shade val="50000"/>
+            </a:schemeClr>
+          </a:lnRef>
+          <a:fillRef idx="1">
+            <a:schemeClr val="accent1"/>
+          </a:fillRef>
+          <a:effectRef idx="0">
+            <a:schemeClr val="accent1"/>
+          </a:effectRef>
+          <a:fontRef idx="minor">
+            <a:schemeClr val="lt1"/>
+          </a:fontRef>
+        </p:style>
+        <p:txBody>
+          <a:bodyPr rtlCol="0" anchor="ctr"/>
+          <a:lstStyle/>
+          <a:p>
+            <a:pPr algn="ctr"/>
+            <a:endParaRPr lang="en-US">
+              <a:latin typeface="Arial" panose="020B0604020202020204" pitchFamily="34" charset="0"/>
+              <a:cs typeface="Arial" panose="020B0604020202020204" pitchFamily="34" charset="0"/>
+            </a:endParaRPr>
+          </a:p>
+        </p:txBody>
+      </p:sp>
+      <p:sp>
+        <p:nvSpPr>
+          <p:cNvPr id="25" name="Rectangle 24">
+            <a:extLst>
+              <a:ext uri="{FF2B5EF4-FFF2-40B4-BE49-F238E27FC236}">
+                <a16:creationId xmlns:a16="http://schemas.microsoft.com/office/drawing/2014/main" id="{D429CC0C-CFA4-45FB-BB5F-EB4A901AE76D}"/>
+              </a:ext>
+            </a:extLst>
+          </p:cNvPr>
+          <p:cNvSpPr/>
+          <p:nvPr/>
+        </p:nvSpPr>
+        <p:spPr>
+          <a:xfrm>
+            <a:off x="4637775" y="1908397"/>
+            <a:ext cx="950436" cy="620623"/>
+          </a:xfrm>
+          <a:prstGeom prst="rect">
+            <a:avLst/>
+          </a:prstGeom>
+          <a:solidFill>
+            <a:schemeClr val="bg1">
+              <a:lumMod val="75000"/>
+              <a:alpha val="80000"/>
+            </a:schemeClr>
+          </a:solidFill>
+          <a:ln>
+            <a:noFill/>
+          </a:ln>
+        </p:spPr>
+        <p:style>
+          <a:lnRef idx="2">
+            <a:schemeClr val="accent1">
+              <a:shade val="50000"/>
+            </a:schemeClr>
+          </a:lnRef>
+          <a:fillRef idx="1">
+            <a:schemeClr val="accent1"/>
+          </a:fillRef>
+          <a:effectRef idx="0">
+            <a:schemeClr val="accent1"/>
+          </a:effectRef>
+          <a:fontRef idx="minor">
+            <a:schemeClr val="lt1"/>
+          </a:fontRef>
+        </p:style>
+        <p:txBody>
+          <a:bodyPr rtlCol="0" anchor="ctr"/>
+          <a:lstStyle/>
+          <a:p>
+            <a:pPr algn="ctr"/>
+            <a:endParaRPr lang="en-US">
+              <a:latin typeface="Arial" panose="020B0604020202020204" pitchFamily="34" charset="0"/>
+              <a:cs typeface="Arial" panose="020B0604020202020204" pitchFamily="34" charset="0"/>
+            </a:endParaRPr>
+          </a:p>
+        </p:txBody>
+      </p:sp>
+      <p:cxnSp>
+        <p:nvCxnSpPr>
+          <p:cNvPr id="28" name="Straight Connector 27">
+            <a:extLst>
+              <a:ext uri="{FF2B5EF4-FFF2-40B4-BE49-F238E27FC236}">
+                <a16:creationId xmlns:a16="http://schemas.microsoft.com/office/drawing/2014/main" id="{8DE016F4-F97D-43B1-9787-3812F981FCDE}"/>
+              </a:ext>
+            </a:extLst>
+          </p:cNvPr>
+          <p:cNvCxnSpPr>
+            <a:cxnSpLocks/>
+            <a:endCxn id="18" idx="1"/>
+          </p:cNvCxnSpPr>
+          <p:nvPr/>
+        </p:nvCxnSpPr>
+        <p:spPr>
+          <a:xfrm flipV="1">
+            <a:off x="6115431" y="766978"/>
+            <a:ext cx="458966" cy="124616"/>
+          </a:xfrm>
+          <a:prstGeom prst="line">
+            <a:avLst/>
+          </a:prstGeom>
+          <a:ln w="19050">
+            <a:solidFill>
+              <a:schemeClr val="bg1">
+                <a:lumMod val="75000"/>
+              </a:schemeClr>
+            </a:solidFill>
+          </a:ln>
+        </p:spPr>
+        <p:style>
+          <a:lnRef idx="1">
+            <a:schemeClr val="accent1"/>
+          </a:lnRef>
+          <a:fillRef idx="0">
+            <a:schemeClr val="accent1"/>
+          </a:fillRef>
+          <a:effectRef idx="0">
+            <a:schemeClr val="accent1"/>
+          </a:effectRef>
+          <a:fontRef idx="minor">
+            <a:schemeClr val="tx1"/>
+          </a:fontRef>
+        </p:style>
+      </p:cxnSp>
+      <p:sp>
+        <p:nvSpPr>
+          <p:cNvPr id="30" name="Rectangle 29">
+            <a:extLst>
+              <a:ext uri="{FF2B5EF4-FFF2-40B4-BE49-F238E27FC236}">
+                <a16:creationId xmlns:a16="http://schemas.microsoft.com/office/drawing/2014/main" id="{122FA91C-60B5-4EBC-ADD1-5A05A73402B5}"/>
+              </a:ext>
+            </a:extLst>
+          </p:cNvPr>
+          <p:cNvSpPr/>
+          <p:nvPr/>
+        </p:nvSpPr>
+        <p:spPr>
+          <a:xfrm>
+            <a:off x="4637775" y="4996302"/>
+            <a:ext cx="1207854" cy="168481"/>
+          </a:xfrm>
+          <a:prstGeom prst="rect">
+            <a:avLst/>
+          </a:prstGeom>
+          <a:solidFill>
+            <a:schemeClr val="bg1">
+              <a:lumMod val="75000"/>
+              <a:alpha val="80000"/>
+            </a:schemeClr>
+          </a:solidFill>
+          <a:ln>
+            <a:noFill/>
+          </a:ln>
+        </p:spPr>
+        <p:style>
+          <a:lnRef idx="2">
+            <a:schemeClr val="accent1">
+              <a:shade val="50000"/>
+            </a:schemeClr>
+          </a:lnRef>
+          <a:fillRef idx="1">
+            <a:schemeClr val="accent1"/>
+          </a:fillRef>
+          <a:effectRef idx="0">
+            <a:schemeClr val="accent1"/>
+          </a:effectRef>
+          <a:fontRef idx="minor">
+            <a:schemeClr val="lt1"/>
+          </a:fontRef>
+        </p:style>
+        <p:txBody>
+          <a:bodyPr rtlCol="0" anchor="ctr"/>
+          <a:lstStyle/>
+          <a:p>
+            <a:pPr algn="ctr"/>
+            <a:endParaRPr lang="en-US">
+              <a:latin typeface="Arial" panose="020B0604020202020204" pitchFamily="34" charset="0"/>
+              <a:cs typeface="Arial" panose="020B0604020202020204" pitchFamily="34" charset="0"/>
+            </a:endParaRPr>
+          </a:p>
+        </p:txBody>
+      </p:sp>
+      <p:cxnSp>
+        <p:nvCxnSpPr>
+          <p:cNvPr id="31" name="Straight Connector 30">
+            <a:extLst>
+              <a:ext uri="{FF2B5EF4-FFF2-40B4-BE49-F238E27FC236}">
+                <a16:creationId xmlns:a16="http://schemas.microsoft.com/office/drawing/2014/main" id="{1CBA8AF8-EBE0-4227-8FB2-EF74E04E6BB9}"/>
+              </a:ext>
+            </a:extLst>
+          </p:cNvPr>
+          <p:cNvCxnSpPr>
+            <a:cxnSpLocks/>
+          </p:cNvCxnSpPr>
+          <p:nvPr/>
+        </p:nvCxnSpPr>
+        <p:spPr>
+          <a:xfrm flipV="1">
+            <a:off x="5915396" y="3457324"/>
+            <a:ext cx="408007" cy="1623219"/>
+          </a:xfrm>
+          <a:prstGeom prst="line">
+            <a:avLst/>
+          </a:prstGeom>
+          <a:ln w="19050">
+            <a:solidFill>
+              <a:schemeClr val="bg1">
+                <a:lumMod val="75000"/>
+              </a:schemeClr>
+            </a:solidFill>
+          </a:ln>
+        </p:spPr>
+        <p:style>
+          <a:lnRef idx="1">
+            <a:schemeClr val="accent1"/>
+          </a:lnRef>
+          <a:fillRef idx="0">
+            <a:schemeClr val="accent1"/>
+          </a:fillRef>
+          <a:effectRef idx="0">
+            <a:schemeClr val="accent1"/>
+          </a:effectRef>
+          <a:fontRef idx="minor">
+            <a:schemeClr val="tx1"/>
+          </a:fontRef>
+        </p:style>
+      </p:cxnSp>
+      <p:sp>
+        <p:nvSpPr>
+          <p:cNvPr id="32" name="Right Brace 31">
+            <a:extLst>
+              <a:ext uri="{FF2B5EF4-FFF2-40B4-BE49-F238E27FC236}">
+                <a16:creationId xmlns:a16="http://schemas.microsoft.com/office/drawing/2014/main" id="{14718FDF-FB75-4836-B0CF-63CCF393077F}"/>
+              </a:ext>
+            </a:extLst>
+          </p:cNvPr>
+          <p:cNvSpPr/>
+          <p:nvPr/>
+        </p:nvSpPr>
+        <p:spPr>
+          <a:xfrm>
+            <a:off x="6205308" y="4090128"/>
+            <a:ext cx="162238" cy="906173"/>
+          </a:xfrm>
+          <a:prstGeom prst="rightBrace">
+            <a:avLst/>
+          </a:prstGeom>
+          <a:ln w="19050">
+            <a:solidFill>
+              <a:srgbClr val="FF0000"/>
+            </a:solidFill>
+          </a:ln>
+        </p:spPr>
+        <p:style>
+          <a:lnRef idx="1">
+            <a:schemeClr val="accent1"/>
+          </a:lnRef>
+          <a:fillRef idx="0">
+            <a:schemeClr val="accent1"/>
+          </a:fillRef>
+          <a:effectRef idx="0">
+            <a:schemeClr val="accent1"/>
+          </a:effectRef>
+          <a:fontRef idx="minor">
+            <a:schemeClr val="tx1"/>
+          </a:fontRef>
+        </p:style>
+        <p:txBody>
+          <a:bodyPr rtlCol="0" anchor="ctr"/>
+          <a:lstStyle/>
+          <a:p>
+            <a:pPr algn="ctr"/>
+            <a:endParaRPr lang="en-US">
+              <a:latin typeface="Arial" panose="020B0604020202020204" pitchFamily="34" charset="0"/>
+              <a:cs typeface="Arial" panose="020B0604020202020204" pitchFamily="34" charset="0"/>
+            </a:endParaRPr>
+          </a:p>
+        </p:txBody>
+      </p:sp>
+      <p:sp>
+        <p:nvSpPr>
+          <p:cNvPr id="34" name="TextBox 33">
+            <a:extLst>
+              <a:ext uri="{FF2B5EF4-FFF2-40B4-BE49-F238E27FC236}">
+                <a16:creationId xmlns:a16="http://schemas.microsoft.com/office/drawing/2014/main" id="{7C4548BE-1FE9-4A59-9A08-F9399DC9AFCD}"/>
+              </a:ext>
+            </a:extLst>
+          </p:cNvPr>
+          <p:cNvSpPr txBox="1"/>
+          <p:nvPr/>
+        </p:nvSpPr>
+        <p:spPr>
+          <a:xfrm>
+            <a:off x="6343348" y="4253593"/>
+            <a:ext cx="1693158" cy="523220"/>
+          </a:xfrm>
+          <a:prstGeom prst="rect">
+            <a:avLst/>
+          </a:prstGeom>
+          <a:noFill/>
+        </p:spPr>
+        <p:txBody>
+          <a:bodyPr wrap="square" rtlCol="0">
+            <a:spAutoFit/>
+          </a:bodyPr>
+          <a:lstStyle/>
+          <a:p>
+            <a:pPr algn="ctr"/>
+            <a:r>
+              <a:rPr lang="en-US" sz="1400" dirty="0">
+                <a:latin typeface="Arial" panose="020B0604020202020204" pitchFamily="34" charset="0"/>
+                <a:cs typeface="Arial" panose="020B0604020202020204" pitchFamily="34" charset="0"/>
+              </a:rPr>
+              <a:t>To be implemented in Lab 3</a:t>
+            </a:r>
+          </a:p>
+        </p:txBody>
+      </p:sp>
+      <p:cxnSp>
+        <p:nvCxnSpPr>
+          <p:cNvPr id="35" name="Straight Arrow Connector 34">
+            <a:extLst>
+              <a:ext uri="{FF2B5EF4-FFF2-40B4-BE49-F238E27FC236}">
+                <a16:creationId xmlns:a16="http://schemas.microsoft.com/office/drawing/2014/main" id="{0A1FDEF9-37C5-4594-9659-F2F8A8F7D13C}"/>
+              </a:ext>
+            </a:extLst>
+          </p:cNvPr>
+          <p:cNvCxnSpPr>
+            <a:cxnSpLocks/>
+          </p:cNvCxnSpPr>
+          <p:nvPr/>
+        </p:nvCxnSpPr>
+        <p:spPr>
+          <a:xfrm flipH="1">
+            <a:off x="5637657" y="5675734"/>
+            <a:ext cx="500744" cy="10655"/>
+          </a:xfrm>
+          <a:prstGeom prst="straightConnector1">
+            <a:avLst/>
+          </a:prstGeom>
+          <a:ln w="19050">
+            <a:solidFill>
+              <a:srgbClr val="FF0000"/>
+            </a:solidFill>
+            <a:tailEnd type="triangle"/>
+          </a:ln>
+        </p:spPr>
+        <p:style>
+          <a:lnRef idx="1">
+            <a:schemeClr val="accent1"/>
+          </a:lnRef>
+          <a:fillRef idx="0">
+            <a:schemeClr val="accent1"/>
+          </a:fillRef>
+          <a:effectRef idx="0">
+            <a:schemeClr val="accent1"/>
+          </a:effectRef>
+          <a:fontRef idx="minor">
+            <a:schemeClr val="tx1"/>
+          </a:fontRef>
+        </p:style>
+      </p:cxnSp>
+      <p:sp>
+        <p:nvSpPr>
+          <p:cNvPr id="36" name="TextBox 35">
+            <a:extLst>
+              <a:ext uri="{FF2B5EF4-FFF2-40B4-BE49-F238E27FC236}">
+                <a16:creationId xmlns:a16="http://schemas.microsoft.com/office/drawing/2014/main" id="{BC49B88D-FB7C-4D65-BF43-04158D06B4BB}"/>
+              </a:ext>
+            </a:extLst>
+          </p:cNvPr>
+          <p:cNvSpPr txBox="1"/>
+          <p:nvPr/>
+        </p:nvSpPr>
+        <p:spPr>
+          <a:xfrm>
+            <a:off x="6115431" y="5521845"/>
+            <a:ext cx="1557574" cy="523220"/>
+          </a:xfrm>
+          <a:prstGeom prst="rect">
+            <a:avLst/>
+          </a:prstGeom>
+          <a:noFill/>
+        </p:spPr>
+        <p:txBody>
+          <a:bodyPr wrap="square" rtlCol="0">
+            <a:spAutoFit/>
+          </a:bodyPr>
+          <a:lstStyle/>
+          <a:p>
+            <a:pPr algn="ctr"/>
+            <a:r>
+              <a:rPr lang="en-US" sz="1400" dirty="0">
+                <a:latin typeface="Arial" panose="020B0604020202020204" pitchFamily="34" charset="0"/>
+                <a:cs typeface="Arial" panose="020B0604020202020204" pitchFamily="34" charset="0"/>
+              </a:rPr>
+              <a:t>Test framework used in Lab 3</a:t>
+            </a:r>
+          </a:p>
+        </p:txBody>
+      </p:sp>
+    </p:spTree>
+    <p:extLst>
+      <p:ext uri="{BB962C8B-B14F-4D97-AF65-F5344CB8AC3E}">
+        <p14:creationId xmlns:p14="http://schemas.microsoft.com/office/powerpoint/2010/main" val="2194900596"/>
       </p:ext>
     </p:extLst>
   </p:cSld>

--- a/labs/lab3/figures/figures.pptx
+++ b/labs/lab3/figures/figures.pptx
@@ -271,7 +271,7 @@
           <a:p>
             <a:fld id="{1F5CB8FA-A5A7-45C3-86CC-341598224043}" type="datetimeFigureOut">
               <a:rPr lang="en-US" smtClean="0"/>
-              <a:t>4/5/2019</a:t>
+              <a:t>4/6/2019</a:t>
             </a:fld>
             <a:endParaRPr lang="en-US"/>
           </a:p>
@@ -469,7 +469,7 @@
           <a:p>
             <a:fld id="{1F5CB8FA-A5A7-45C3-86CC-341598224043}" type="datetimeFigureOut">
               <a:rPr lang="en-US" smtClean="0"/>
-              <a:t>4/5/2019</a:t>
+              <a:t>4/6/2019</a:t>
             </a:fld>
             <a:endParaRPr lang="en-US"/>
           </a:p>
@@ -677,7 +677,7 @@
           <a:p>
             <a:fld id="{1F5CB8FA-A5A7-45C3-86CC-341598224043}" type="datetimeFigureOut">
               <a:rPr lang="en-US" smtClean="0"/>
-              <a:t>4/5/2019</a:t>
+              <a:t>4/6/2019</a:t>
             </a:fld>
             <a:endParaRPr lang="en-US"/>
           </a:p>
@@ -875,7 +875,7 @@
           <a:p>
             <a:fld id="{1F5CB8FA-A5A7-45C3-86CC-341598224043}" type="datetimeFigureOut">
               <a:rPr lang="en-US" smtClean="0"/>
-              <a:t>4/5/2019</a:t>
+              <a:t>4/6/2019</a:t>
             </a:fld>
             <a:endParaRPr lang="en-US"/>
           </a:p>
@@ -1150,7 +1150,7 @@
           <a:p>
             <a:fld id="{1F5CB8FA-A5A7-45C3-86CC-341598224043}" type="datetimeFigureOut">
               <a:rPr lang="en-US" smtClean="0"/>
-              <a:t>4/5/2019</a:t>
+              <a:t>4/6/2019</a:t>
             </a:fld>
             <a:endParaRPr lang="en-US"/>
           </a:p>
@@ -1415,7 +1415,7 @@
           <a:p>
             <a:fld id="{1F5CB8FA-A5A7-45C3-86CC-341598224043}" type="datetimeFigureOut">
               <a:rPr lang="en-US" smtClean="0"/>
-              <a:t>4/5/2019</a:t>
+              <a:t>4/6/2019</a:t>
             </a:fld>
             <a:endParaRPr lang="en-US"/>
           </a:p>
@@ -1827,7 +1827,7 @@
           <a:p>
             <a:fld id="{1F5CB8FA-A5A7-45C3-86CC-341598224043}" type="datetimeFigureOut">
               <a:rPr lang="en-US" smtClean="0"/>
-              <a:t>4/5/2019</a:t>
+              <a:t>4/6/2019</a:t>
             </a:fld>
             <a:endParaRPr lang="en-US"/>
           </a:p>
@@ -1968,7 +1968,7 @@
           <a:p>
             <a:fld id="{1F5CB8FA-A5A7-45C3-86CC-341598224043}" type="datetimeFigureOut">
               <a:rPr lang="en-US" smtClean="0"/>
-              <a:t>4/5/2019</a:t>
+              <a:t>4/6/2019</a:t>
             </a:fld>
             <a:endParaRPr lang="en-US"/>
           </a:p>
@@ -2081,7 +2081,7 @@
           <a:p>
             <a:fld id="{1F5CB8FA-A5A7-45C3-86CC-341598224043}" type="datetimeFigureOut">
               <a:rPr lang="en-US" smtClean="0"/>
-              <a:t>4/5/2019</a:t>
+              <a:t>4/6/2019</a:t>
             </a:fld>
             <a:endParaRPr lang="en-US"/>
           </a:p>
@@ -2392,7 +2392,7 @@
           <a:p>
             <a:fld id="{1F5CB8FA-A5A7-45C3-86CC-341598224043}" type="datetimeFigureOut">
               <a:rPr lang="en-US" smtClean="0"/>
-              <a:t>4/5/2019</a:t>
+              <a:t>4/6/2019</a:t>
             </a:fld>
             <a:endParaRPr lang="en-US"/>
           </a:p>
@@ -2680,7 +2680,7 @@
           <a:p>
             <a:fld id="{1F5CB8FA-A5A7-45C3-86CC-341598224043}" type="datetimeFigureOut">
               <a:rPr lang="en-US" smtClean="0"/>
-              <a:t>4/5/2019</a:t>
+              <a:t>4/6/2019</a:t>
             </a:fld>
             <a:endParaRPr lang="en-US"/>
           </a:p>
@@ -2921,7 +2921,7 @@
           <a:p>
             <a:fld id="{1F5CB8FA-A5A7-45C3-86CC-341598224043}" type="datetimeFigureOut">
               <a:rPr lang="en-US" smtClean="0"/>
-              <a:t>4/5/2019</a:t>
+              <a:t>4/6/2019</a:t>
             </a:fld>
             <a:endParaRPr lang="en-US"/>
           </a:p>
@@ -4579,7 +4579,7 @@
         <p:spPr>
           <a:xfrm>
             <a:off x="7354902" y="4421656"/>
-            <a:ext cx="4108817" cy="307777"/>
+            <a:ext cx="4067139" cy="307777"/>
           </a:xfrm>
           <a:prstGeom prst="rect">
             <a:avLst/>
@@ -4603,7 +4603,7 @@
                 <a:latin typeface="Arial" panose="020B0604020202020204" pitchFamily="34" charset="0"/>
                 <a:cs typeface="Arial" panose="020B0604020202020204" pitchFamily="34" charset="0"/>
               </a:rPr>
-              <a:t>se.lth.cs.etsa02.BasicMeleeBot.BasicMeleeBot*”</a:t>
+              <a:t>se.lth.cs.etsa02.basicmeleebot.BasicMeleeBot*”</a:t>
             </a:r>
           </a:p>
         </p:txBody>
